--- a/Python Project/專題介紹.pptx
+++ b/Python Project/專題介紹.pptx
@@ -110,6 +110,11 @@
       </a:defRPr>
     </a:lvl9pPr>
   </p:defaultTextStyle>
+  <p:extLst>
+    <p:ext uri="{EFAFB233-063F-42B5-8137-9DF3F51BA10A}">
+      <p15:sldGuideLst xmlns:p15="http://schemas.microsoft.com/office/powerpoint/2012/main"/>
+    </p:ext>
+  </p:extLst>
 </p:presentation>
 </file>
 
@@ -195,7 +200,7 @@
           <a:p>
             <a:fld id="{85898DE7-A8F3-462B-944B-4E6A7A99877E}" type="datetimeFigureOut">
               <a:rPr lang="zh-TW" altLang="en-US" smtClean="0"/>
-              <a:t>2020/1/19</a:t>
+              <a:t>2020/1/21</a:t>
             </a:fld>
             <a:endParaRPr lang="zh-TW" altLang="en-US"/>
           </a:p>
@@ -678,7 +683,7 @@
           <a:p>
             <a:fld id="{6DB879FD-6A16-4493-AD1B-13EF0C846C3E}" type="datetimeFigureOut">
               <a:rPr lang="zh-TW" altLang="en-US" smtClean="0"/>
-              <a:t>2020/1/19</a:t>
+              <a:t>2020/1/21</a:t>
             </a:fld>
             <a:endParaRPr lang="zh-TW" altLang="en-US"/>
           </a:p>
@@ -848,7 +853,7 @@
           <a:p>
             <a:fld id="{6DB879FD-6A16-4493-AD1B-13EF0C846C3E}" type="datetimeFigureOut">
               <a:rPr lang="zh-TW" altLang="en-US" smtClean="0"/>
-              <a:t>2020/1/19</a:t>
+              <a:t>2020/1/21</a:t>
             </a:fld>
             <a:endParaRPr lang="zh-TW" altLang="en-US"/>
           </a:p>
@@ -1028,7 +1033,7 @@
           <a:p>
             <a:fld id="{6DB879FD-6A16-4493-AD1B-13EF0C846C3E}" type="datetimeFigureOut">
               <a:rPr lang="zh-TW" altLang="en-US" smtClean="0"/>
-              <a:t>2020/1/19</a:t>
+              <a:t>2020/1/21</a:t>
             </a:fld>
             <a:endParaRPr lang="zh-TW" altLang="en-US"/>
           </a:p>
@@ -1198,7 +1203,7 @@
           <a:p>
             <a:fld id="{6DB879FD-6A16-4493-AD1B-13EF0C846C3E}" type="datetimeFigureOut">
               <a:rPr lang="zh-TW" altLang="en-US" smtClean="0"/>
-              <a:t>2020/1/19</a:t>
+              <a:t>2020/1/21</a:t>
             </a:fld>
             <a:endParaRPr lang="zh-TW" altLang="en-US"/>
           </a:p>
@@ -1444,7 +1449,7 @@
           <a:p>
             <a:fld id="{6DB879FD-6A16-4493-AD1B-13EF0C846C3E}" type="datetimeFigureOut">
               <a:rPr lang="zh-TW" altLang="en-US" smtClean="0"/>
-              <a:t>2020/1/19</a:t>
+              <a:t>2020/1/21</a:t>
             </a:fld>
             <a:endParaRPr lang="zh-TW" altLang="en-US"/>
           </a:p>
@@ -1676,7 +1681,7 @@
           <a:p>
             <a:fld id="{6DB879FD-6A16-4493-AD1B-13EF0C846C3E}" type="datetimeFigureOut">
               <a:rPr lang="zh-TW" altLang="en-US" smtClean="0"/>
-              <a:t>2020/1/19</a:t>
+              <a:t>2020/1/21</a:t>
             </a:fld>
             <a:endParaRPr lang="zh-TW" altLang="en-US"/>
           </a:p>
@@ -2043,7 +2048,7 @@
           <a:p>
             <a:fld id="{6DB879FD-6A16-4493-AD1B-13EF0C846C3E}" type="datetimeFigureOut">
               <a:rPr lang="zh-TW" altLang="en-US" smtClean="0"/>
-              <a:t>2020/1/19</a:t>
+              <a:t>2020/1/21</a:t>
             </a:fld>
             <a:endParaRPr lang="zh-TW" altLang="en-US"/>
           </a:p>
@@ -2161,7 +2166,7 @@
           <a:p>
             <a:fld id="{6DB879FD-6A16-4493-AD1B-13EF0C846C3E}" type="datetimeFigureOut">
               <a:rPr lang="zh-TW" altLang="en-US" smtClean="0"/>
-              <a:t>2020/1/19</a:t>
+              <a:t>2020/1/21</a:t>
             </a:fld>
             <a:endParaRPr lang="zh-TW" altLang="en-US"/>
           </a:p>
@@ -2256,7 +2261,7 @@
           <a:p>
             <a:fld id="{6DB879FD-6A16-4493-AD1B-13EF0C846C3E}" type="datetimeFigureOut">
               <a:rPr lang="zh-TW" altLang="en-US" smtClean="0"/>
-              <a:t>2020/1/19</a:t>
+              <a:t>2020/1/21</a:t>
             </a:fld>
             <a:endParaRPr lang="zh-TW" altLang="en-US"/>
           </a:p>
@@ -2533,7 +2538,7 @@
           <a:p>
             <a:fld id="{6DB879FD-6A16-4493-AD1B-13EF0C846C3E}" type="datetimeFigureOut">
               <a:rPr lang="zh-TW" altLang="en-US" smtClean="0"/>
-              <a:t>2020/1/19</a:t>
+              <a:t>2020/1/21</a:t>
             </a:fld>
             <a:endParaRPr lang="zh-TW" altLang="en-US"/>
           </a:p>
@@ -2786,7 +2791,7 @@
           <a:p>
             <a:fld id="{6DB879FD-6A16-4493-AD1B-13EF0C846C3E}" type="datetimeFigureOut">
               <a:rPr lang="zh-TW" altLang="en-US" smtClean="0"/>
-              <a:t>2020/1/19</a:t>
+              <a:t>2020/1/21</a:t>
             </a:fld>
             <a:endParaRPr lang="zh-TW" altLang="en-US"/>
           </a:p>
@@ -2999,7 +3004,7 @@
           <a:p>
             <a:fld id="{6DB879FD-6A16-4493-AD1B-13EF0C846C3E}" type="datetimeFigureOut">
               <a:rPr lang="zh-TW" altLang="en-US" smtClean="0"/>
-              <a:t>2020/1/19</a:t>
+              <a:t>2020/1/21</a:t>
             </a:fld>
             <a:endParaRPr lang="zh-TW" altLang="en-US"/>
           </a:p>
@@ -3879,7 +3884,19 @@
             <a:pPr lvl="1"/>
             <a:r>
               <a:rPr lang="zh-TW" altLang="en-US" dirty="0" smtClean="0"/>
-              <a:t>關閉檔案</a:t>
+              <a:t>關閉</a:t>
+            </a:r>
+            <a:r>
+              <a:rPr lang="zh-TW" altLang="en-US" dirty="0" smtClean="0"/>
+              <a:t>檔案</a:t>
+            </a:r>
+            <a:r>
+              <a:rPr lang="zh-TW" altLang="en-US" dirty="0" smtClean="0"/>
+              <a:t>與瀏覽</a:t>
+            </a:r>
+            <a:r>
+              <a:rPr lang="zh-TW" altLang="en-US" dirty="0"/>
+              <a:t>器</a:t>
             </a:r>
             <a:endParaRPr lang="en-US" altLang="zh-TW" dirty="0" smtClean="0"/>
           </a:p>
@@ -3909,10 +3926,9 @@
               <a:t>notebook</a:t>
             </a:r>
             <a:r>
-              <a:rPr lang="zh-TW" altLang="en-US" smtClean="0"/>
+              <a:rPr lang="zh-TW" altLang="en-US" dirty="0" smtClean="0"/>
               <a:t>開啟</a:t>
             </a:r>
-            <a:endParaRPr lang="zh-TW" altLang="en-US" dirty="0" smtClean="0"/>
           </a:p>
           <a:p>
             <a:endParaRPr lang="zh-TW" altLang="en-US" dirty="0"/>
